--- a/web/b24/0 Information Meeting.pptx
+++ b/web/b24/0 Information Meeting.pptx
@@ -4851,7 +4851,7 @@
             </a:pPr>
             <a:r>
               <a:rPr lang="en-GB" altLang="da-DK" sz="1600" dirty="0" smtClean="0"/>
-              <a:t>Lectures &amp; common activities</a:t>
+              <a:t>Lectures</a:t>
             </a:r>
             <a:endParaRPr lang="en-GB" altLang="da-DK" sz="1600" dirty="0"/>
           </a:p>
@@ -5046,11 +5046,6 @@
               </a:rPr>
               <a:t>Information meeting</a:t>
             </a:r>
-            <a:endParaRPr lang="en-US" altLang="da-DK" sz="1600" b="1" spc="-50" dirty="0" smtClean="0">
-              <a:solidFill>
-                <a:srgbClr val="008000"/>
-              </a:solidFill>
-            </a:endParaRPr>
           </a:p>
           <a:p>
             <a:pPr marL="271463" lvl="1" indent="-271463">
@@ -5834,7 +5829,7 @@
                 </a:solidFill>
                 <a:cs typeface="ＭＳ Ｐゴシック" charset="0"/>
               </a:rPr>
-              <a:t>Week 13</a:t>
+              <a:t>Week 14</a:t>
             </a:r>
             <a:endParaRPr lang="en-US" altLang="da-DK" sz="1800" b="1" dirty="0">
               <a:solidFill>
@@ -6107,7 +6102,7 @@
             </a:r>
             <a:r>
               <a:rPr lang="en-GB" altLang="da-DK" sz="1600" dirty="0" smtClean="0"/>
-              <a:t>Brightspace (via </a:t>
+              <a:t>Brightspace (to </a:t>
             </a:r>
             <a:r>
               <a:rPr lang="en-GB" altLang="da-DK" sz="1600" dirty="0"/>
@@ -7128,7 +7123,7 @@
                   <a:srgbClr val="A50021"/>
                 </a:solidFill>
               </a:rPr>
-              <a:t>There will be a total of approximately 150 students doing their cs / it bachelor project in the Spring of 2022</a:t>
+              <a:t>There will be a total of approximately 105 students doing their cs / it bachelor project in the Spring of 2024</a:t>
             </a:r>
           </a:p>
           <a:p>
@@ -7139,7 +7134,7 @@
             </a:pPr>
             <a:r>
               <a:rPr lang="en-GB" altLang="da-DK" sz="1600" dirty="0" smtClean="0"/>
-              <a:t>Approximately 110 within cs, and 40 within it product development</a:t>
+              <a:t>Approximately 80 within cs, and 25 within it product development</a:t>
             </a:r>
           </a:p>
           <a:p>
@@ -7519,12 +7514,20 @@
               <a:t>Complexity and Game </a:t>
             </a:r>
             <a:r>
-              <a:rPr lang="en-US" sz="1600" kern="1200" dirty="0" smtClean="0">
+              <a:rPr lang="en-US" sz="1600" kern="1200" smtClean="0">
                 <a:latin typeface="Arial" pitchFamily="34" charset="0"/>
                 <a:ea typeface="ＭＳ Ｐゴシック" pitchFamily="34" charset="-128"/>
                 <a:cs typeface="+mn-cs"/>
               </a:rPr>
-              <a:t>Theory (Srikanth Srinivasan) </a:t>
+              <a:t>Theory </a:t>
+            </a:r>
+            <a:r>
+              <a:rPr lang="en-US" sz="1600" kern="1200">
+                <a:latin typeface="Arial" pitchFamily="34" charset="0"/>
+                <a:ea typeface="ＭＳ Ｐゴシック" pitchFamily="34" charset="-128"/>
+                <a:cs typeface="+mn-cs"/>
+              </a:rPr>
+              <a:t>(Kristoffer Arnsfelt Hansen) </a:t>
             </a:r>
             <a:endParaRPr lang="en-US" sz="1600" kern="1200" dirty="0">
               <a:latin typeface="Arial" pitchFamily="34" charset="0"/>
@@ -8528,6 +8531,34 @@
               </a:rPr>
               <a:t>June 8</a:t>
             </a:r>
+            <a:r>
+              <a:rPr lang="en-GB" sz="1600" kern="1200" dirty="0" smtClean="0">
+                <a:latin typeface="Arial" pitchFamily="34" charset="0"/>
+                <a:ea typeface="ＭＳ Ｐゴシック" pitchFamily="34" charset="-128"/>
+              </a:rPr>
+              <a:t> </a:t>
+            </a:r>
+            <a:r>
+              <a:rPr lang="en-US" sz="1600" kern="1200" dirty="0">
+                <a:latin typeface="Arial" pitchFamily="34" charset="0"/>
+                <a:ea typeface="ＭＳ Ｐゴシック" pitchFamily="34" charset="-128"/>
+              </a:rPr>
+              <a:t> (or the next working day at 13.00 if June 8 is a Saturday or a </a:t>
+            </a:r>
+            <a:r>
+              <a:rPr lang="en-US" sz="1600" kern="1200">
+                <a:latin typeface="Arial" pitchFamily="34" charset="0"/>
+                <a:ea typeface="ＭＳ Ｐゴシック" pitchFamily="34" charset="-128"/>
+              </a:rPr>
+              <a:t>Sunday</a:t>
+            </a:r>
+            <a:r>
+              <a:rPr lang="en-US" sz="1600" kern="1200" smtClean="0">
+                <a:latin typeface="Arial" pitchFamily="34" charset="0"/>
+                <a:ea typeface="ＭＳ Ｐゴシック" pitchFamily="34" charset="-128"/>
+              </a:rPr>
+              <a:t>)</a:t>
+            </a:r>
             <a:endParaRPr lang="en-GB" sz="1600" kern="1200" dirty="0" smtClean="0">
               <a:latin typeface="Arial" pitchFamily="34" charset="0"/>
               <a:ea typeface="ＭＳ Ｐゴシック" pitchFamily="34" charset="-128"/>
@@ -9992,12 +10023,55 @@
               </a:spcBef>
             </a:pPr>
             <a:r>
+              <a:rPr lang="en-GB" sz="1600" dirty="0" smtClean="0"/>
+              <a:t>Registration </a:t>
+            </a:r>
+            <a:r>
+              <a:rPr lang="en-GB" sz="1600" dirty="0" smtClean="0"/>
+              <a:t>will be open on </a:t>
+            </a:r>
+            <a:r>
+              <a:rPr lang="en-GB" sz="1600" b="1" dirty="0" smtClean="0">
+                <a:solidFill>
+                  <a:srgbClr val="008000"/>
+                </a:solidFill>
+              </a:rPr>
+              <a:t>Monday December 4 </a:t>
+            </a:r>
+            <a:r>
               <a:rPr lang="en-GB" sz="1600" dirty="0"/>
-              <a:t>This is done on the </a:t>
-            </a:r>
+              <a:t>and the registration must be done before</a:t>
+            </a:r>
+            <a:r>
+              <a:rPr lang="en-GB" sz="1600" b="1" dirty="0" smtClean="0">
+                <a:solidFill>
+                  <a:srgbClr val="008000"/>
+                </a:solidFill>
+              </a:rPr>
+              <a:t> Sunday January </a:t>
+            </a:r>
+            <a:r>
+              <a:rPr lang="en-GB" sz="1600" b="1" dirty="0" smtClean="0">
+                <a:solidFill>
+                  <a:srgbClr val="008000"/>
+                </a:solidFill>
+              </a:rPr>
+              <a:t>14.</a:t>
+            </a:r>
+          </a:p>
+          <a:p>
+            <a:pPr marL="728663" lvl="1" indent="-271463">
+              <a:spcBef>
+                <a:spcPts val="300"/>
+              </a:spcBef>
+            </a:pPr>
             <a:r>
               <a:rPr lang="en-GB" sz="1600" dirty="0" smtClean="0"/>
-              <a:t>Brightspace </a:t>
+              <a:t>For </a:t>
+            </a:r>
+            <a:r>
+              <a:rPr lang="en-GB" sz="1600" dirty="0"/>
+              <a:t>more details see the Brightspace </a:t>
             </a:r>
             <a:r>
               <a:rPr lang="en-GB" sz="1600" dirty="0"/>
@@ -10009,23 +10083,127 @@
                   <a:srgbClr val="008000"/>
                 </a:solidFill>
               </a:rPr>
-              <a:t>Registration of </a:t>
-            </a:r>
-            <a:r>
-              <a:rPr lang="en-GB" sz="1600" b="1" dirty="0" smtClean="0">
+              <a:t>Registration of bachelor project </a:t>
+            </a:r>
+            <a:r>
+              <a:rPr lang="en-GB" sz="1600" b="1" dirty="0">
                 <a:solidFill>
                   <a:srgbClr val="008000"/>
                 </a:solidFill>
               </a:rPr>
-              <a:t>bachelor project groups</a:t>
-            </a:r>
-            <a:endParaRPr lang="en-GB" sz="1600" b="1" dirty="0">
+              <a:t>groups</a:t>
+            </a:r>
+            <a:r>
+              <a:rPr lang="en-GB" sz="1600" dirty="0"/>
+              <a:t> </a:t>
+            </a:r>
+            <a:r>
+              <a:rPr lang="en-GB" sz="1600" dirty="0" smtClean="0"/>
+              <a:t>which </a:t>
+            </a:r>
+            <a:r>
+              <a:rPr lang="en-GB" sz="1600" dirty="0"/>
+              <a:t>will become </a:t>
+            </a:r>
+            <a:r>
+              <a:rPr lang="en-GB" sz="1600" dirty="0" smtClean="0"/>
+              <a:t>available </a:t>
+            </a:r>
+            <a:r>
+              <a:rPr lang="en-GB" sz="1600" dirty="0"/>
+              <a:t>on Monday December </a:t>
+            </a:r>
+            <a:r>
+              <a:rPr lang="en-GB" sz="1600" dirty="0" smtClean="0"/>
+              <a:t>4</a:t>
+            </a:r>
+            <a:endParaRPr lang="en-GB" sz="1600" dirty="0"/>
+          </a:p>
+          <a:p>
+            <a:pPr marL="728663" lvl="1" indent="-271463">
+              <a:spcBef>
+                <a:spcPts val="300"/>
+              </a:spcBef>
+            </a:pPr>
+            <a:r>
+              <a:rPr lang="en-GB" sz="1600" dirty="0"/>
+              <a:t>To register you do </a:t>
+            </a:r>
+            <a:r>
+              <a:rPr lang="en-GB" sz="1600" b="1" dirty="0">
+                <a:solidFill>
+                  <a:srgbClr val="008000"/>
+                </a:solidFill>
+              </a:rPr>
+              <a:t>not</a:t>
+            </a:r>
+            <a:r>
+              <a:rPr lang="en-GB" sz="1600" dirty="0"/>
+              <a:t> need to have chosen a concrete bachelor project, but you need to have formed a group of 1-3 persons and decided which </a:t>
+            </a:r>
+            <a:r>
+              <a:rPr lang="en-GB" sz="1600" b="1" dirty="0">
+                <a:solidFill>
+                  <a:srgbClr val="008000"/>
+                </a:solidFill>
+              </a:rPr>
+              <a:t>research group</a:t>
+            </a:r>
+            <a:r>
+              <a:rPr lang="en-GB" sz="1600" dirty="0"/>
+              <a:t> you want to work </a:t>
+            </a:r>
+            <a:r>
+              <a:rPr lang="en-GB" sz="1600" dirty="0" smtClean="0"/>
+              <a:t>with</a:t>
+            </a:r>
+            <a:endParaRPr lang="en-GB" sz="1600" b="1" dirty="0" smtClean="0">
               <a:solidFill>
                 <a:srgbClr val="008000"/>
               </a:solidFill>
             </a:endParaRPr>
           </a:p>
           <a:p>
+            <a:pPr marL="271463" lvl="1" indent="-271463">
+              <a:spcBef>
+                <a:spcPts val="1200"/>
+              </a:spcBef>
+              <a:buChar char="•"/>
+            </a:pPr>
+            <a:r>
+              <a:rPr lang="en-GB" sz="1800" b="1" dirty="0" smtClean="0">
+                <a:solidFill>
+                  <a:srgbClr val="A50021"/>
+                </a:solidFill>
+              </a:rPr>
+              <a:t>Each </a:t>
+            </a:r>
+            <a:r>
+              <a:rPr lang="en-GB" sz="1800" b="1" dirty="0">
+                <a:solidFill>
+                  <a:srgbClr val="A50021"/>
+                </a:solidFill>
+              </a:rPr>
+              <a:t>research group </a:t>
+            </a:r>
+            <a:r>
+              <a:rPr lang="en-GB" sz="1800" b="1" dirty="0" smtClean="0">
+                <a:solidFill>
+                  <a:srgbClr val="A50021"/>
+                </a:solidFill>
+              </a:rPr>
+              <a:t>has </a:t>
+            </a:r>
+            <a:r>
+              <a:rPr lang="en-GB" sz="1800" b="1" dirty="0">
+                <a:solidFill>
+                  <a:srgbClr val="A50021"/>
+                </a:solidFill>
+              </a:rPr>
+              <a:t>a limited number of groups that they will be able to supervise</a:t>
+            </a:r>
+          </a:p>
+          <a:p>
             <a:pPr marL="728663" lvl="1" indent="-271463">
               <a:spcBef>
                 <a:spcPts val="300"/>
@@ -10033,7 +10211,31 @@
             </a:pPr>
             <a:r>
               <a:rPr lang="en-GB" sz="1600" dirty="0" smtClean="0"/>
-              <a:t>Registration will be open on </a:t>
+              <a:t>Groups are </a:t>
+            </a:r>
+            <a:r>
+              <a:rPr lang="en-GB" sz="1600" dirty="0"/>
+              <a:t>accepted on a first come first served </a:t>
+            </a:r>
+            <a:r>
+              <a:rPr lang="en-GB" sz="1600" dirty="0" smtClean="0"/>
+              <a:t>basis, and hence </a:t>
+            </a:r>
+            <a:r>
+              <a:rPr lang="en-GB" sz="1600" dirty="0"/>
+              <a:t>it </a:t>
+            </a:r>
+            <a:r>
+              <a:rPr lang="en-GB" sz="1600" dirty="0" smtClean="0"/>
+              <a:t>is strongly </a:t>
+            </a:r>
+            <a:r>
+              <a:rPr lang="en-GB" sz="1600" b="1" dirty="0">
+                <a:solidFill>
+                  <a:srgbClr val="008000"/>
+                </a:solidFill>
+              </a:rPr>
+              <a:t>recommended to register as early as </a:t>
             </a:r>
             <a:r>
               <a:rPr lang="en-GB" sz="1600" b="1" dirty="0" smtClean="0">
@@ -10041,245 +10243,45 @@
                   <a:srgbClr val="008000"/>
                 </a:solidFill>
               </a:rPr>
-              <a:t>Monday December 5 </a:t>
+              <a:t>possible</a:t>
+            </a:r>
+          </a:p>
+          <a:p>
+            <a:pPr marL="728663" lvl="1" indent="-271463">
+              <a:spcBef>
+                <a:spcPts val="300"/>
+              </a:spcBef>
+            </a:pPr>
+            <a:r>
+              <a:rPr lang="en-GB" sz="1600" dirty="0" smtClean="0"/>
+              <a:t>The </a:t>
+            </a:r>
+            <a:r>
+              <a:rPr lang="en-GB" sz="1600" b="1" dirty="0">
+                <a:solidFill>
+                  <a:srgbClr val="008000"/>
+                </a:solidFill>
+              </a:rPr>
+              <a:t>maximal number</a:t>
             </a:r>
             <a:r>
               <a:rPr lang="en-GB" sz="1600" dirty="0"/>
-              <a:t>and the registration must be done before</a:t>
-            </a:r>
-            <a:r>
-              <a:rPr lang="en-GB" sz="1600" b="1" dirty="0" smtClean="0">
-                <a:solidFill>
-                  <a:srgbClr val="008000"/>
-                </a:solidFill>
-              </a:rPr>
-              <a:t> Sunday January 15</a:t>
-            </a:r>
-          </a:p>
-          <a:p>
-            <a:pPr marL="728663" lvl="1" indent="-271463">
-              <a:spcBef>
-                <a:spcPts val="300"/>
-              </a:spcBef>
-            </a:pPr>
+              <a:t> of groups for each research group </a:t>
+            </a:r>
             <a:r>
               <a:rPr lang="en-GB" sz="1600" dirty="0" smtClean="0"/>
-              <a:t>All members </a:t>
-            </a:r>
-            <a:r>
-              <a:rPr lang="en-GB" sz="1600" dirty="0"/>
-              <a:t>of your </a:t>
-            </a:r>
-            <a:r>
-              <a:rPr lang="en-GB" sz="1600" dirty="0" smtClean="0"/>
-              <a:t>group must register by joining the </a:t>
-            </a:r>
-            <a:r>
-              <a:rPr lang="en-GB" sz="1600" b="1" dirty="0" smtClean="0">
-                <a:solidFill>
-                  <a:srgbClr val="008000"/>
-                </a:solidFill>
-              </a:rPr>
-              <a:t>same</a:t>
-            </a:r>
-            <a:r>
-              <a:rPr lang="en-GB" sz="1600" dirty="0" smtClean="0"/>
-              <a:t> pre-defined</a:t>
+              <a:t>is 12</a:t>
             </a:r>
             <a:br>
               <a:rPr lang="en-GB" sz="1600" dirty="0" smtClean="0"/>
             </a:br>
             <a:r>
               <a:rPr lang="en-GB" sz="1600" dirty="0" smtClean="0"/>
-              <a:t>bachelor group</a:t>
-            </a:r>
-          </a:p>
-          <a:p>
-            <a:pPr marL="728663" lvl="1" indent="-271463">
-              <a:spcBef>
-                <a:spcPts val="300"/>
-              </a:spcBef>
-            </a:pPr>
-            <a:r>
-              <a:rPr lang="en-GB" sz="1600" dirty="0" smtClean="0"/>
-              <a:t>You can only register in </a:t>
-            </a:r>
-            <a:r>
-              <a:rPr lang="en-GB" sz="1600" b="1" dirty="0" smtClean="0">
-                <a:solidFill>
-                  <a:srgbClr val="008000"/>
-                </a:solidFill>
-              </a:rPr>
-              <a:t>one research group</a:t>
-            </a:r>
-            <a:r>
-              <a:rPr lang="en-GB" sz="1600" dirty="0" smtClean="0"/>
-              <a:t> (if you register in several groups,</a:t>
-            </a:r>
-            <a:br>
-              <a:rPr lang="en-GB" sz="1600" dirty="0" smtClean="0"/>
-            </a:br>
-            <a:r>
-              <a:rPr lang="en-GB" sz="1600" dirty="0" smtClean="0"/>
-              <a:t>I will delete all your registrations)</a:t>
-            </a:r>
-          </a:p>
-          <a:p>
-            <a:pPr marL="271463" lvl="1" indent="-271463">
-              <a:spcBef>
-                <a:spcPts val="1200"/>
-              </a:spcBef>
-              <a:buChar char="•"/>
-            </a:pPr>
-            <a:r>
-              <a:rPr lang="en-GB" sz="1800" b="1" dirty="0">
-                <a:solidFill>
-                  <a:srgbClr val="A50021"/>
-                </a:solidFill>
-              </a:rPr>
-              <a:t>Each research group </a:t>
-            </a:r>
-            <a:r>
-              <a:rPr lang="en-GB" sz="1800" b="1" dirty="0" smtClean="0">
-                <a:solidFill>
-                  <a:srgbClr val="A50021"/>
-                </a:solidFill>
-              </a:rPr>
-              <a:t>has </a:t>
-            </a:r>
-            <a:r>
-              <a:rPr lang="en-GB" sz="1800" b="1" dirty="0">
-                <a:solidFill>
-                  <a:srgbClr val="A50021"/>
-                </a:solidFill>
-              </a:rPr>
-              <a:t>a limited number of groups that they will be able to supervise</a:t>
-            </a:r>
-          </a:p>
-          <a:p>
-            <a:pPr marL="728663" lvl="1" indent="-271463">
-              <a:spcBef>
-                <a:spcPts val="300"/>
-              </a:spcBef>
-            </a:pPr>
-            <a:r>
-              <a:rPr lang="en-GB" sz="1600" dirty="0" smtClean="0"/>
-              <a:t>Groups are </a:t>
-            </a:r>
-            <a:r>
-              <a:rPr lang="en-GB" sz="1600" dirty="0"/>
-              <a:t>accepted on a first come first served </a:t>
-            </a:r>
-            <a:r>
-              <a:rPr lang="en-GB" sz="1600" dirty="0" smtClean="0"/>
-              <a:t>basis, and hence </a:t>
-            </a:r>
-            <a:r>
-              <a:rPr lang="en-GB" sz="1600" dirty="0"/>
-              <a:t>it </a:t>
-            </a:r>
-            <a:r>
-              <a:rPr lang="en-GB" sz="1600" dirty="0" smtClean="0"/>
-              <a:t>is strongly </a:t>
-            </a:r>
-            <a:r>
-              <a:rPr lang="en-GB" sz="1600" b="1" dirty="0">
-                <a:solidFill>
-                  <a:srgbClr val="008000"/>
-                </a:solidFill>
-              </a:rPr>
-              <a:t>recommended to register as early as </a:t>
-            </a:r>
-            <a:r>
-              <a:rPr lang="en-GB" sz="1600" b="1" dirty="0" smtClean="0">
-                <a:solidFill>
-                  <a:srgbClr val="008000"/>
-                </a:solidFill>
-              </a:rPr>
-              <a:t>possible</a:t>
-            </a:r>
-          </a:p>
-          <a:p>
-            <a:pPr marL="728663" lvl="1" indent="-271463">
-              <a:spcBef>
-                <a:spcPts val="300"/>
-              </a:spcBef>
-            </a:pPr>
-            <a:r>
-              <a:rPr lang="en-GB" sz="1600" dirty="0" smtClean="0"/>
-              <a:t>To register you do </a:t>
-            </a:r>
-            <a:r>
-              <a:rPr lang="en-GB" sz="1600" b="1" dirty="0" smtClean="0">
-                <a:solidFill>
-                  <a:srgbClr val="008000"/>
-                </a:solidFill>
-              </a:rPr>
-              <a:t>not</a:t>
-            </a:r>
-            <a:r>
-              <a:rPr lang="en-GB" sz="1600" dirty="0" smtClean="0"/>
-              <a:t> need to have chosen a concrete bachelor project, but you need to have formed a group of 1-3 persons and decided which </a:t>
-            </a:r>
-            <a:r>
-              <a:rPr lang="en-GB" sz="1600" b="1" dirty="0">
-                <a:solidFill>
-                  <a:srgbClr val="008000"/>
-                </a:solidFill>
-              </a:rPr>
-              <a:t>research group</a:t>
-            </a:r>
-            <a:r>
-              <a:rPr lang="en-GB" sz="1600" dirty="0" smtClean="0"/>
-              <a:t> you want to work with</a:t>
-            </a:r>
-          </a:p>
-          <a:p>
-            <a:pPr marL="728663" lvl="1" indent="-271463">
-              <a:spcBef>
-                <a:spcPts val="300"/>
-              </a:spcBef>
-            </a:pPr>
-            <a:r>
-              <a:rPr lang="en-GB" sz="1600" dirty="0" smtClean="0"/>
-              <a:t>The </a:t>
-            </a:r>
-            <a:r>
-              <a:rPr lang="en-GB" sz="1600" b="1" dirty="0">
-                <a:solidFill>
-                  <a:srgbClr val="008000"/>
-                </a:solidFill>
-              </a:rPr>
-              <a:t>maximal number</a:t>
-            </a:r>
-            <a:r>
-              <a:rPr lang="en-GB" sz="1600" dirty="0"/>
-              <a:t> of groups for each research group </a:t>
-            </a:r>
-            <a:r>
-              <a:rPr lang="en-GB" sz="1600" dirty="0" smtClean="0"/>
-              <a:t>is 12</a:t>
-            </a:r>
-            <a:br>
-              <a:rPr lang="en-GB" sz="1600" dirty="0" smtClean="0"/>
-            </a:br>
-            <a:r>
-              <a:rPr lang="en-GB" sz="1600" dirty="0" smtClean="0"/>
-              <a:t>(except Bioinformatics where it is 5 and </a:t>
-            </a:r>
-            <a:r>
-              <a:rPr lang="en-US" sz="1600" kern="1200" dirty="0">
-                <a:latin typeface="Arial" pitchFamily="34" charset="0"/>
-                <a:ea typeface="ＭＳ Ｐゴシック" pitchFamily="34" charset="-128"/>
-              </a:rPr>
-              <a:t>Cryptography and </a:t>
-            </a:r>
-            <a:r>
-              <a:rPr lang="en-US" sz="1600" kern="1200" dirty="0" smtClean="0">
-                <a:latin typeface="Arial" pitchFamily="34" charset="0"/>
-                <a:ea typeface="ＭＳ Ｐゴシック" pitchFamily="34" charset="-128"/>
-              </a:rPr>
-              <a:t>Security where it is 8</a:t>
+              <a:t>(except Bioinformatics where it is </a:t>
+            </a:r>
+            <a:r>
+              <a:rPr lang="en-US" sz="1600" dirty="0" smtClean="0"/>
+              <a:t>3</a:t>
             </a:r>
             <a:r>
               <a:rPr lang="en-GB" sz="1600" dirty="0" smtClean="0"/>

--- a/web/b24/0 Information Meeting.pptx
+++ b/web/b24/0 Information Meeting.pptx
@@ -4653,7 +4653,11 @@
             <a:pPr marL="358775"/>
             <a:r>
               <a:rPr lang="en-GB" altLang="da-DK" sz="2800" dirty="0" smtClean="0"/>
-              <a:t>Welcome to the information meeting for bachelor projects in the spring of 2023</a:t>
+              <a:t>Welcome to the information meeting for bachelor projects in the spring of </a:t>
+            </a:r>
+            <a:r>
+              <a:rPr lang="en-GB" altLang="da-DK" sz="2800" dirty="0" smtClean="0"/>
+              <a:t>2024</a:t>
             </a:r>
             <a:endParaRPr lang="en-GB" altLang="da-DK" sz="2800" dirty="0"/>
           </a:p>
@@ -10024,11 +10028,7 @@
             </a:pPr>
             <a:r>
               <a:rPr lang="en-GB" sz="1600" dirty="0" smtClean="0"/>
-              <a:t>Registration </a:t>
-            </a:r>
-            <a:r>
-              <a:rPr lang="en-GB" sz="1600" dirty="0" smtClean="0"/>
-              <a:t>will be open on </a:t>
+              <a:t>Registration will be open on </a:t>
             </a:r>
             <a:r>
               <a:rPr lang="en-GB" sz="1600" b="1" dirty="0" smtClean="0">
@@ -10048,15 +10048,7 @@
                   <a:srgbClr val="008000"/>
                 </a:solidFill>
               </a:rPr>
-              <a:t> Sunday January </a:t>
-            </a:r>
-            <a:r>
-              <a:rPr lang="en-GB" sz="1600" b="1" dirty="0" smtClean="0">
-                <a:solidFill>
-                  <a:srgbClr val="008000"/>
-                </a:solidFill>
-              </a:rPr>
-              <a:t>14.</a:t>
+              <a:t> Sunday January 14.</a:t>
             </a:r>
           </a:p>
           <a:p>
@@ -10071,11 +10063,7 @@
             </a:r>
             <a:r>
               <a:rPr lang="en-GB" sz="1600" dirty="0"/>
-              <a:t>more details see the Brightspace </a:t>
-            </a:r>
-            <a:r>
-              <a:rPr lang="en-GB" sz="1600" dirty="0"/>
-              <a:t>page </a:t>
+              <a:t>more details see the Brightspace page </a:t>
             </a:r>
             <a:r>
               <a:rPr lang="en-GB" sz="1600" b="1" dirty="0">
@@ -10083,15 +10071,7 @@
                   <a:srgbClr val="008000"/>
                 </a:solidFill>
               </a:rPr>
-              <a:t>Registration of bachelor project </a:t>
-            </a:r>
-            <a:r>
-              <a:rPr lang="en-GB" sz="1600" b="1" dirty="0">
-                <a:solidFill>
-                  <a:srgbClr val="008000"/>
-                </a:solidFill>
-              </a:rPr>
-              <a:t>groups</a:t>
+              <a:t>Registration of bachelor project groups</a:t>
             </a:r>
             <a:r>
               <a:rPr lang="en-GB" sz="1600" dirty="0"/>
